--- a/Syllabus/Lecture14/Lec14.pptx
+++ b/Syllabus/Lecture14/Lec14.pptx
@@ -7459,47 +7459,67 @@
               <a:buChar char="•"/>
             </a:pPr>
             <a:r>
+              <a:rPr lang="en-US" altLang="en-US" sz="3200" dirty="0">
+                <a:latin typeface="Calibri" panose="020F0502020204030204" pitchFamily="34" charset="0"/>
+                <a:cs typeface="Calibri" panose="020F0502020204030204" pitchFamily="34" charset="0"/>
+              </a:rPr>
+              <a:t>Popular linear feature extraction methods:</a:t>
+            </a:r>
+          </a:p>
+          <a:p>
+            <a:pPr marL="457200" indent="-457200">
+              <a:buFont typeface="Arial" panose="020B0604020202020204" pitchFamily="34" charset="0"/>
+              <a:buChar char="•"/>
+            </a:pPr>
+            <a:endParaRPr lang="en-US" altLang="en-US" sz="3200" dirty="0">
+              <a:latin typeface="Calibri" panose="020F0502020204030204" pitchFamily="34" charset="0"/>
+              <a:cs typeface="Calibri" panose="020F0502020204030204" pitchFamily="34" charset="0"/>
+            </a:endParaRPr>
+          </a:p>
+          <a:p>
+            <a:pPr marL="1123935" lvl="1" indent="-514350">
+              <a:buFont typeface="+mj-lt"/>
+              <a:buAutoNum type="arabicPeriod"/>
+            </a:pPr>
+            <a:r>
+              <a:rPr lang="en-US" altLang="en-US" sz="2800" b="1" dirty="0">
+                <a:latin typeface="Calibri" panose="020F0502020204030204" pitchFamily="34" charset="0"/>
+                <a:cs typeface="Calibri" panose="020F0502020204030204" pitchFamily="34" charset="0"/>
+              </a:rPr>
+              <a:t>Principal Components Analysis (PCA): </a:t>
+            </a:r>
+            <a:r>
               <a:rPr lang="en-US" altLang="en-US" sz="2800" dirty="0">
                 <a:latin typeface="Calibri" panose="020F0502020204030204" pitchFamily="34" charset="0"/>
                 <a:cs typeface="Calibri" panose="020F0502020204030204" pitchFamily="34" charset="0"/>
               </a:rPr>
-              <a:t>Popular linear feature extraction methods:</a:t>
-            </a:r>
-          </a:p>
-          <a:p>
-            <a:pPr marL="952485" lvl="1" indent="-342900">
-              <a:buFont typeface="Arial" panose="020B0604020202020204" pitchFamily="34" charset="0"/>
-              <a:buChar char="•"/>
+              <a:t>Seeks a projection that preserves as much information in the data as possible.</a:t>
+            </a:r>
+          </a:p>
+          <a:p>
+            <a:pPr marL="1123935" lvl="1" indent="-514350">
+              <a:buFont typeface="+mj-lt"/>
+              <a:buAutoNum type="arabicPeriod"/>
             </a:pPr>
-            <a:r>
-              <a:rPr lang="en-US" altLang="en-US" b="1" dirty="0">
-                <a:latin typeface="Calibri" panose="020F0502020204030204" pitchFamily="34" charset="0"/>
-                <a:cs typeface="Calibri" panose="020F0502020204030204" pitchFamily="34" charset="0"/>
-              </a:rPr>
-              <a:t>Principal Components Analysis (PCA): </a:t>
-            </a:r>
-            <a:r>
-              <a:rPr lang="en-US" altLang="en-US" dirty="0">
-                <a:latin typeface="Calibri" panose="020F0502020204030204" pitchFamily="34" charset="0"/>
-                <a:cs typeface="Calibri" panose="020F0502020204030204" pitchFamily="34" charset="0"/>
-              </a:rPr>
-              <a:t>Seeks a projection that preserves as much information in the data as possible.</a:t>
-            </a:r>
-          </a:p>
-          <a:p>
-            <a:pPr marL="952485" lvl="1" indent="-342900">
-              <a:buFont typeface="Arial" panose="020B0604020202020204" pitchFamily="34" charset="0"/>
-              <a:buChar char="•"/>
+            <a:endParaRPr lang="en-US" altLang="en-US" sz="2800" dirty="0">
+              <a:latin typeface="Calibri" panose="020F0502020204030204" pitchFamily="34" charset="0"/>
+              <a:cs typeface="Calibri" panose="020F0502020204030204" pitchFamily="34" charset="0"/>
+            </a:endParaRPr>
+          </a:p>
+          <a:p>
+            <a:pPr marL="1123935" lvl="1" indent="-514350">
+              <a:buFont typeface="+mj-lt"/>
+              <a:buAutoNum type="arabicPeriod"/>
             </a:pPr>
             <a:r>
-              <a:rPr lang="en-US" altLang="en-US" b="1" dirty="0">
+              <a:rPr lang="en-US" altLang="en-US" sz="2800" b="1" dirty="0">
                 <a:latin typeface="Calibri" panose="020F0502020204030204" pitchFamily="34" charset="0"/>
                 <a:cs typeface="Calibri" panose="020F0502020204030204" pitchFamily="34" charset="0"/>
               </a:rPr>
               <a:t>Linear Discriminant Analysis (LDA): </a:t>
             </a:r>
             <a:r>
-              <a:rPr lang="en-US" altLang="en-US" dirty="0">
+              <a:rPr lang="en-US" altLang="en-US" sz="2800" dirty="0">
                 <a:latin typeface="Calibri" panose="020F0502020204030204" pitchFamily="34" charset="0"/>
                 <a:cs typeface="Calibri" panose="020F0502020204030204" pitchFamily="34" charset="0"/>
               </a:rPr>
@@ -7507,66 +7527,11 @@
             </a:r>
           </a:p>
           <a:p>
-            <a:pPr marL="952485" lvl="1" indent="-342900">
-              <a:buFont typeface="Arial" panose="020B0604020202020204" pitchFamily="34" charset="0"/>
-              <a:buChar char="•"/>
-            </a:pPr>
-            <a:endParaRPr lang="en-US" altLang="en-US" dirty="0">
+            <a:pPr lvl="1"/>
+            <a:endParaRPr lang="en-US" altLang="en-US" sz="2800" dirty="0">
               <a:latin typeface="Calibri" panose="020F0502020204030204" pitchFamily="34" charset="0"/>
               <a:cs typeface="Calibri" panose="020F0502020204030204" pitchFamily="34" charset="0"/>
             </a:endParaRPr>
-          </a:p>
-          <a:p>
-            <a:pPr marL="457200" indent="-457200">
-              <a:buFont typeface="Arial" panose="020B0604020202020204" pitchFamily="34" charset="0"/>
-              <a:buChar char="•"/>
-            </a:pPr>
-            <a:r>
-              <a:rPr lang="en-US" altLang="en-US" sz="2800" dirty="0">
-                <a:latin typeface="Calibri" panose="020F0502020204030204" pitchFamily="34" charset="0"/>
-                <a:cs typeface="Calibri" panose="020F0502020204030204" pitchFamily="34" charset="0"/>
-              </a:rPr>
-              <a:t>Many other methods:</a:t>
-            </a:r>
-          </a:p>
-          <a:p>
-            <a:pPr marL="952485" lvl="1" indent="-342900">
-              <a:buFont typeface="Arial" panose="020B0604020202020204" pitchFamily="34" charset="0"/>
-              <a:buChar char="•"/>
-            </a:pPr>
-            <a:r>
-              <a:rPr lang="en-US" altLang="en-US" dirty="0">
-                <a:latin typeface="Calibri" panose="020F0502020204030204" pitchFamily="34" charset="0"/>
-                <a:cs typeface="Calibri" panose="020F0502020204030204" pitchFamily="34" charset="0"/>
-              </a:rPr>
-              <a:t>Making features as independent as possible (Independent Component Analysis or ICA).</a:t>
-            </a:r>
-          </a:p>
-          <a:p>
-            <a:pPr marL="952485" lvl="1" indent="-342900">
-              <a:buFont typeface="Arial" panose="020B0604020202020204" pitchFamily="34" charset="0"/>
-              <a:buChar char="•"/>
-            </a:pPr>
-            <a:r>
-              <a:rPr lang="en-US" altLang="en-US" dirty="0">
-                <a:latin typeface="Calibri" panose="020F0502020204030204" pitchFamily="34" charset="0"/>
-                <a:cs typeface="Calibri" panose="020F0502020204030204" pitchFamily="34" charset="0"/>
-              </a:rPr>
-              <a:t>Retaining interesting directions (Projection Pursuit).</a:t>
-            </a:r>
-          </a:p>
-          <a:p>
-            <a:pPr marL="952485" lvl="1" indent="-342900">
-              <a:buFont typeface="Arial" panose="020B0604020202020204" pitchFamily="34" charset="0"/>
-              <a:buChar char="•"/>
-            </a:pPr>
-            <a:r>
-              <a:rPr lang="en-US" altLang="en-US" dirty="0">
-                <a:latin typeface="Calibri" panose="020F0502020204030204" pitchFamily="34" charset="0"/>
-                <a:cs typeface="Calibri" panose="020F0502020204030204" pitchFamily="34" charset="0"/>
-              </a:rPr>
-              <a:t>Embedding to lower dimensional manifolds (Isomap, Locally Linear Embedding or LLE).</a:t>
-            </a:r>
           </a:p>
         </p:txBody>
       </p:sp>
@@ -7665,7 +7630,7 @@
                                         <p:tgtEl>
                                           <p:spTgt spid="96">
                                             <p:txEl>
-                                              <p:pRg st="1" end="1"/>
+                                              <p:pRg st="2" end="2"/>
                                             </p:txEl>
                                           </p:spTgt>
                                         </p:tgtEl>
@@ -7714,203 +7679,7 @@
                                         <p:tgtEl>
                                           <p:spTgt spid="96">
                                             <p:txEl>
-                                              <p:pRg st="2" end="2"/>
-                                            </p:txEl>
-                                          </p:spTgt>
-                                        </p:tgtEl>
-                                        <p:attrNameLst>
-                                          <p:attrName>style.visibility</p:attrName>
-                                        </p:attrNameLst>
-                                      </p:cBhvr>
-                                      <p:to>
-                                        <p:strVal val="visible"/>
-                                      </p:to>
-                                    </p:set>
-                                  </p:childTnLst>
-                                </p:cTn>
-                              </p:par>
-                            </p:childTnLst>
-                          </p:cTn>
-                        </p:par>
-                      </p:childTnLst>
-                    </p:cTn>
-                  </p:par>
-                  <p:par>
-                    <p:cTn id="15" fill="hold">
-                      <p:stCondLst>
-                        <p:cond delay="indefinite"/>
-                      </p:stCondLst>
-                      <p:childTnLst>
-                        <p:par>
-                          <p:cTn id="16" fill="hold">
-                            <p:stCondLst>
-                              <p:cond delay="0"/>
-                            </p:stCondLst>
-                            <p:childTnLst>
-                              <p:par>
-                                <p:cTn id="17" presetID="1" presetClass="entr" presetSubtype="0" fill="hold" nodeType="clickEffect">
-                                  <p:stCondLst>
-                                    <p:cond delay="0"/>
-                                  </p:stCondLst>
-                                  <p:childTnLst>
-                                    <p:set>
-                                      <p:cBhvr>
-                                        <p:cTn id="18" dur="1" fill="hold">
-                                          <p:stCondLst>
-                                            <p:cond delay="0"/>
-                                          </p:stCondLst>
-                                        </p:cTn>
-                                        <p:tgtEl>
-                                          <p:spTgt spid="96">
-                                            <p:txEl>
                                               <p:pRg st="4" end="4"/>
-                                            </p:txEl>
-                                          </p:spTgt>
-                                        </p:tgtEl>
-                                        <p:attrNameLst>
-                                          <p:attrName>style.visibility</p:attrName>
-                                        </p:attrNameLst>
-                                      </p:cBhvr>
-                                      <p:to>
-                                        <p:strVal val="visible"/>
-                                      </p:to>
-                                    </p:set>
-                                  </p:childTnLst>
-                                </p:cTn>
-                              </p:par>
-                            </p:childTnLst>
-                          </p:cTn>
-                        </p:par>
-                      </p:childTnLst>
-                    </p:cTn>
-                  </p:par>
-                  <p:par>
-                    <p:cTn id="19" fill="hold">
-                      <p:stCondLst>
-                        <p:cond delay="indefinite"/>
-                      </p:stCondLst>
-                      <p:childTnLst>
-                        <p:par>
-                          <p:cTn id="20" fill="hold">
-                            <p:stCondLst>
-                              <p:cond delay="0"/>
-                            </p:stCondLst>
-                            <p:childTnLst>
-                              <p:par>
-                                <p:cTn id="21" presetID="1" presetClass="entr" presetSubtype="0" fill="hold" nodeType="clickEffect">
-                                  <p:stCondLst>
-                                    <p:cond delay="0"/>
-                                  </p:stCondLst>
-                                  <p:childTnLst>
-                                    <p:set>
-                                      <p:cBhvr>
-                                        <p:cTn id="22" dur="1" fill="hold">
-                                          <p:stCondLst>
-                                            <p:cond delay="0"/>
-                                          </p:stCondLst>
-                                        </p:cTn>
-                                        <p:tgtEl>
-                                          <p:spTgt spid="96">
-                                            <p:txEl>
-                                              <p:pRg st="5" end="5"/>
-                                            </p:txEl>
-                                          </p:spTgt>
-                                        </p:tgtEl>
-                                        <p:attrNameLst>
-                                          <p:attrName>style.visibility</p:attrName>
-                                        </p:attrNameLst>
-                                      </p:cBhvr>
-                                      <p:to>
-                                        <p:strVal val="visible"/>
-                                      </p:to>
-                                    </p:set>
-                                  </p:childTnLst>
-                                </p:cTn>
-                              </p:par>
-                            </p:childTnLst>
-                          </p:cTn>
-                        </p:par>
-                      </p:childTnLst>
-                    </p:cTn>
-                  </p:par>
-                  <p:par>
-                    <p:cTn id="23" fill="hold">
-                      <p:stCondLst>
-                        <p:cond delay="indefinite"/>
-                      </p:stCondLst>
-                      <p:childTnLst>
-                        <p:par>
-                          <p:cTn id="24" fill="hold">
-                            <p:stCondLst>
-                              <p:cond delay="0"/>
-                            </p:stCondLst>
-                            <p:childTnLst>
-                              <p:par>
-                                <p:cTn id="25" presetID="1" presetClass="entr" presetSubtype="0" fill="hold" nodeType="clickEffect">
-                                  <p:stCondLst>
-                                    <p:cond delay="0"/>
-                                  </p:stCondLst>
-                                  <p:childTnLst>
-                                    <p:set>
-                                      <p:cBhvr>
-                                        <p:cTn id="26" dur="1" fill="hold">
-                                          <p:stCondLst>
-                                            <p:cond delay="0"/>
-                                          </p:stCondLst>
-                                        </p:cTn>
-                                        <p:tgtEl>
-                                          <p:spTgt spid="96">
-                                            <p:txEl>
-                                              <p:pRg st="6" end="6"/>
-                                            </p:txEl>
-                                          </p:spTgt>
-                                        </p:tgtEl>
-                                        <p:attrNameLst>
-                                          <p:attrName>style.visibility</p:attrName>
-                                        </p:attrNameLst>
-                                      </p:cBhvr>
-                                      <p:to>
-                                        <p:strVal val="visible"/>
-                                      </p:to>
-                                    </p:set>
-                                  </p:childTnLst>
-                                </p:cTn>
-                              </p:par>
-                            </p:childTnLst>
-                          </p:cTn>
-                        </p:par>
-                      </p:childTnLst>
-                    </p:cTn>
-                  </p:par>
-                  <p:par>
-                    <p:cTn id="27" fill="hold">
-                      <p:stCondLst>
-                        <p:cond delay="indefinite"/>
-                      </p:stCondLst>
-                      <p:childTnLst>
-                        <p:par>
-                          <p:cTn id="28" fill="hold">
-                            <p:stCondLst>
-                              <p:cond delay="0"/>
-                            </p:stCondLst>
-                            <p:childTnLst>
-                              <p:par>
-                                <p:cTn id="29" presetID="1" presetClass="entr" presetSubtype="0" fill="hold" nodeType="clickEffect">
-                                  <p:stCondLst>
-                                    <p:cond delay="0"/>
-                                  </p:stCondLst>
-                                  <p:childTnLst>
-                                    <p:set>
-                                      <p:cBhvr>
-                                        <p:cTn id="30" dur="1" fill="hold">
-                                          <p:stCondLst>
-                                            <p:cond delay="0"/>
-                                          </p:stCondLst>
-                                        </p:cTn>
-                                        <p:tgtEl>
-                                          <p:spTgt spid="96">
-                                            <p:txEl>
-                                              <p:pRg st="7" end="7"/>
                                             </p:txEl>
                                           </p:spTgt>
                                         </p:tgtEl>
@@ -11506,420 +11275,6 @@
   <p:clrMapOvr>
     <a:masterClrMapping/>
   </p:clrMapOvr>
-  <p:timing>
-    <p:tnLst>
-      <p:par>
-        <p:cTn id="1" dur="indefinite" restart="never" nodeType="tmRoot">
-          <p:childTnLst>
-            <p:seq concurrent="1" nextAc="seek">
-              <p:cTn id="2" dur="indefinite" nodeType="mainSeq">
-                <p:childTnLst>
-                  <p:par>
-                    <p:cTn id="3" fill="hold">
-                      <p:stCondLst>
-                        <p:cond delay="indefinite"/>
-                      </p:stCondLst>
-                      <p:childTnLst>
-                        <p:par>
-                          <p:cTn id="4" fill="hold">
-                            <p:stCondLst>
-                              <p:cond delay="0"/>
-                            </p:stCondLst>
-                            <p:childTnLst>
-                              <p:par>
-                                <p:cTn id="5" presetID="1" presetClass="entr" presetSubtype="0" fill="hold" nodeType="clickEffect">
-                                  <p:stCondLst>
-                                    <p:cond delay="0"/>
-                                  </p:stCondLst>
-                                  <p:childTnLst>
-                                    <p:set>
-                                      <p:cBhvr>
-                                        <p:cTn id="6" dur="1" fill="hold">
-                                          <p:stCondLst>
-                                            <p:cond delay="0"/>
-                                          </p:stCondLst>
-                                        </p:cTn>
-                                        <p:tgtEl>
-                                          <p:spTgt spid="96">
-                                            <p:txEl>
-                                              <p:pRg st="1" end="1"/>
-                                            </p:txEl>
-                                          </p:spTgt>
-                                        </p:tgtEl>
-                                        <p:attrNameLst>
-                                          <p:attrName>style.visibility</p:attrName>
-                                        </p:attrNameLst>
-                                      </p:cBhvr>
-                                      <p:to>
-                                        <p:strVal val="visible"/>
-                                      </p:to>
-                                    </p:set>
-                                  </p:childTnLst>
-                                </p:cTn>
-                              </p:par>
-                            </p:childTnLst>
-                          </p:cTn>
-                        </p:par>
-                      </p:childTnLst>
-                    </p:cTn>
-                  </p:par>
-                  <p:par>
-                    <p:cTn id="7" fill="hold">
-                      <p:stCondLst>
-                        <p:cond delay="indefinite"/>
-                      </p:stCondLst>
-                      <p:childTnLst>
-                        <p:par>
-                          <p:cTn id="8" fill="hold">
-                            <p:stCondLst>
-                              <p:cond delay="0"/>
-                            </p:stCondLst>
-                            <p:childTnLst>
-                              <p:par>
-                                <p:cTn id="9" presetID="1" presetClass="entr" presetSubtype="0" fill="hold" nodeType="clickEffect">
-                                  <p:stCondLst>
-                                    <p:cond delay="0"/>
-                                  </p:stCondLst>
-                                  <p:childTnLst>
-                                    <p:set>
-                                      <p:cBhvr>
-                                        <p:cTn id="10" dur="1" fill="hold">
-                                          <p:stCondLst>
-                                            <p:cond delay="0"/>
-                                          </p:stCondLst>
-                                        </p:cTn>
-                                        <p:tgtEl>
-                                          <p:spTgt spid="7"/>
-                                        </p:tgtEl>
-                                        <p:attrNameLst>
-                                          <p:attrName>style.visibility</p:attrName>
-                                        </p:attrNameLst>
-                                      </p:cBhvr>
-                                      <p:to>
-                                        <p:strVal val="visible"/>
-                                      </p:to>
-                                    </p:set>
-                                  </p:childTnLst>
-                                </p:cTn>
-                              </p:par>
-                              <p:par>
-                                <p:cTn id="11" presetID="1" presetClass="entr" presetSubtype="0" fill="hold" nodeType="withEffect">
-                                  <p:stCondLst>
-                                    <p:cond delay="0"/>
-                                  </p:stCondLst>
-                                  <p:childTnLst>
-                                    <p:set>
-                                      <p:cBhvr>
-                                        <p:cTn id="12" dur="1" fill="hold">
-                                          <p:stCondLst>
-                                            <p:cond delay="0"/>
-                                          </p:stCondLst>
-                                        </p:cTn>
-                                        <p:tgtEl>
-                                          <p:spTgt spid="15"/>
-                                        </p:tgtEl>
-                                        <p:attrNameLst>
-                                          <p:attrName>style.visibility</p:attrName>
-                                        </p:attrNameLst>
-                                      </p:cBhvr>
-                                      <p:to>
-                                        <p:strVal val="visible"/>
-                                      </p:to>
-                                    </p:set>
-                                  </p:childTnLst>
-                                </p:cTn>
-                              </p:par>
-                            </p:childTnLst>
-                          </p:cTn>
-                        </p:par>
-                      </p:childTnLst>
-                    </p:cTn>
-                  </p:par>
-                  <p:par>
-                    <p:cTn id="13" fill="hold">
-                      <p:stCondLst>
-                        <p:cond delay="indefinite"/>
-                      </p:stCondLst>
-                      <p:childTnLst>
-                        <p:par>
-                          <p:cTn id="14" fill="hold">
-                            <p:stCondLst>
-                              <p:cond delay="0"/>
-                            </p:stCondLst>
-                            <p:childTnLst>
-                              <p:par>
-                                <p:cTn id="15" presetID="1" presetClass="entr" presetSubtype="0" fill="hold" nodeType="clickEffect">
-                                  <p:stCondLst>
-                                    <p:cond delay="0"/>
-                                  </p:stCondLst>
-                                  <p:childTnLst>
-                                    <p:set>
-                                      <p:cBhvr>
-                                        <p:cTn id="16" dur="1" fill="hold">
-                                          <p:stCondLst>
-                                            <p:cond delay="0"/>
-                                          </p:stCondLst>
-                                        </p:cTn>
-                                        <p:tgtEl>
-                                          <p:spTgt spid="96">
-                                            <p:txEl>
-                                              <p:pRg st="4" end="4"/>
-                                            </p:txEl>
-                                          </p:spTgt>
-                                        </p:tgtEl>
-                                        <p:attrNameLst>
-                                          <p:attrName>style.visibility</p:attrName>
-                                        </p:attrNameLst>
-                                      </p:cBhvr>
-                                      <p:to>
-                                        <p:strVal val="visible"/>
-                                      </p:to>
-                                    </p:set>
-                                  </p:childTnLst>
-                                </p:cTn>
-                              </p:par>
-                            </p:childTnLst>
-                          </p:cTn>
-                        </p:par>
-                      </p:childTnLst>
-                    </p:cTn>
-                  </p:par>
-                  <p:par>
-                    <p:cTn id="17" fill="hold">
-                      <p:stCondLst>
-                        <p:cond delay="indefinite"/>
-                      </p:stCondLst>
-                      <p:childTnLst>
-                        <p:par>
-                          <p:cTn id="18" fill="hold">
-                            <p:stCondLst>
-                              <p:cond delay="0"/>
-                            </p:stCondLst>
-                            <p:childTnLst>
-                              <p:par>
-                                <p:cTn id="19" presetID="1" presetClass="entr" presetSubtype="0" fill="hold" nodeType="clickEffect">
-                                  <p:stCondLst>
-                                    <p:cond delay="0"/>
-                                  </p:stCondLst>
-                                  <p:childTnLst>
-                                    <p:set>
-                                      <p:cBhvr>
-                                        <p:cTn id="20" dur="1" fill="hold">
-                                          <p:stCondLst>
-                                            <p:cond delay="0"/>
-                                          </p:stCondLst>
-                                        </p:cTn>
-                                        <p:tgtEl>
-                                          <p:spTgt spid="11"/>
-                                        </p:tgtEl>
-                                        <p:attrNameLst>
-                                          <p:attrName>style.visibility</p:attrName>
-                                        </p:attrNameLst>
-                                      </p:cBhvr>
-                                      <p:to>
-                                        <p:strVal val="visible"/>
-                                      </p:to>
-                                    </p:set>
-                                  </p:childTnLst>
-                                </p:cTn>
-                              </p:par>
-                              <p:par>
-                                <p:cTn id="21" presetID="1" presetClass="entr" presetSubtype="0" fill="hold" nodeType="withEffect">
-                                  <p:stCondLst>
-                                    <p:cond delay="0"/>
-                                  </p:stCondLst>
-                                  <p:childTnLst>
-                                    <p:set>
-                                      <p:cBhvr>
-                                        <p:cTn id="22" dur="1" fill="hold">
-                                          <p:stCondLst>
-                                            <p:cond delay="0"/>
-                                          </p:stCondLst>
-                                        </p:cTn>
-                                        <p:tgtEl>
-                                          <p:spTgt spid="14"/>
-                                        </p:tgtEl>
-                                        <p:attrNameLst>
-                                          <p:attrName>style.visibility</p:attrName>
-                                        </p:attrNameLst>
-                                      </p:cBhvr>
-                                      <p:to>
-                                        <p:strVal val="visible"/>
-                                      </p:to>
-                                    </p:set>
-                                  </p:childTnLst>
-                                </p:cTn>
-                              </p:par>
-                            </p:childTnLst>
-                          </p:cTn>
-                        </p:par>
-                      </p:childTnLst>
-                    </p:cTn>
-                  </p:par>
-                  <p:par>
-                    <p:cTn id="23" fill="hold">
-                      <p:stCondLst>
-                        <p:cond delay="indefinite"/>
-                      </p:stCondLst>
-                      <p:childTnLst>
-                        <p:par>
-                          <p:cTn id="24" fill="hold">
-                            <p:stCondLst>
-                              <p:cond delay="0"/>
-                            </p:stCondLst>
-                            <p:childTnLst>
-                              <p:par>
-                                <p:cTn id="25" presetID="1" presetClass="entr" presetSubtype="0" fill="hold" nodeType="clickEffect">
-                                  <p:stCondLst>
-                                    <p:cond delay="0"/>
-                                  </p:stCondLst>
-                                  <p:childTnLst>
-                                    <p:set>
-                                      <p:cBhvr>
-                                        <p:cTn id="26" dur="1" fill="hold">
-                                          <p:stCondLst>
-                                            <p:cond delay="0"/>
-                                          </p:stCondLst>
-                                        </p:cTn>
-                                        <p:tgtEl>
-                                          <p:spTgt spid="96">
-                                            <p:txEl>
-                                              <p:pRg st="7" end="7"/>
-                                            </p:txEl>
-                                          </p:spTgt>
-                                        </p:tgtEl>
-                                        <p:attrNameLst>
-                                          <p:attrName>style.visibility</p:attrName>
-                                        </p:attrNameLst>
-                                      </p:cBhvr>
-                                      <p:to>
-                                        <p:strVal val="visible"/>
-                                      </p:to>
-                                    </p:set>
-                                  </p:childTnLst>
-                                </p:cTn>
-                              </p:par>
-                            </p:childTnLst>
-                          </p:cTn>
-                        </p:par>
-                      </p:childTnLst>
-                    </p:cTn>
-                  </p:par>
-                  <p:par>
-                    <p:cTn id="27" fill="hold">
-                      <p:stCondLst>
-                        <p:cond delay="indefinite"/>
-                      </p:stCondLst>
-                      <p:childTnLst>
-                        <p:par>
-                          <p:cTn id="28" fill="hold">
-                            <p:stCondLst>
-                              <p:cond delay="0"/>
-                            </p:stCondLst>
-                            <p:childTnLst>
-                              <p:par>
-                                <p:cTn id="29" presetID="1" presetClass="entr" presetSubtype="0" fill="hold" nodeType="clickEffect">
-                                  <p:stCondLst>
-                                    <p:cond delay="0"/>
-                                  </p:stCondLst>
-                                  <p:childTnLst>
-                                    <p:set>
-                                      <p:cBhvr>
-                                        <p:cTn id="30" dur="1" fill="hold">
-                                          <p:stCondLst>
-                                            <p:cond delay="0"/>
-                                          </p:stCondLst>
-                                        </p:cTn>
-                                        <p:tgtEl>
-                                          <p:spTgt spid="12"/>
-                                        </p:tgtEl>
-                                        <p:attrNameLst>
-                                          <p:attrName>style.visibility</p:attrName>
-                                        </p:attrNameLst>
-                                      </p:cBhvr>
-                                      <p:to>
-                                        <p:strVal val="visible"/>
-                                      </p:to>
-                                    </p:set>
-                                  </p:childTnLst>
-                                </p:cTn>
-                              </p:par>
-                            </p:childTnLst>
-                          </p:cTn>
-                        </p:par>
-                      </p:childTnLst>
-                    </p:cTn>
-                  </p:par>
-                  <p:par>
-                    <p:cTn id="31" fill="hold">
-                      <p:stCondLst>
-                        <p:cond delay="indefinite"/>
-                      </p:stCondLst>
-                      <p:childTnLst>
-                        <p:par>
-                          <p:cTn id="32" fill="hold">
-                            <p:stCondLst>
-                              <p:cond delay="0"/>
-                            </p:stCondLst>
-                            <p:childTnLst>
-                              <p:par>
-                                <p:cTn id="33" presetID="1" presetClass="entr" presetSubtype="0" fill="hold" grpId="0" nodeType="clickEffect">
-                                  <p:stCondLst>
-                                    <p:cond delay="0"/>
-                                  </p:stCondLst>
-                                  <p:childTnLst>
-                                    <p:set>
-                                      <p:cBhvr>
-                                        <p:cTn id="34" dur="1" fill="hold">
-                                          <p:stCondLst>
-                                            <p:cond delay="0"/>
-                                          </p:stCondLst>
-                                        </p:cTn>
-                                        <p:tgtEl>
-                                          <p:spTgt spid="2"/>
-                                        </p:tgtEl>
-                                        <p:attrNameLst>
-                                          <p:attrName>style.visibility</p:attrName>
-                                        </p:attrNameLst>
-                                      </p:cBhvr>
-                                      <p:to>
-                                        <p:strVal val="visible"/>
-                                      </p:to>
-                                    </p:set>
-                                  </p:childTnLst>
-                                </p:cTn>
-                              </p:par>
-                            </p:childTnLst>
-                          </p:cTn>
-                        </p:par>
-                      </p:childTnLst>
-                    </p:cTn>
-                  </p:par>
-                </p:childTnLst>
-              </p:cTn>
-              <p:prevCondLst>
-                <p:cond evt="onPrev" delay="0">
-                  <p:tgtEl>
-                    <p:sldTgt/>
-                  </p:tgtEl>
-                </p:cond>
-              </p:prevCondLst>
-              <p:nextCondLst>
-                <p:cond evt="onNext" delay="0">
-                  <p:tgtEl>
-                    <p:sldTgt/>
-                  </p:tgtEl>
-                </p:cond>
-              </p:nextCondLst>
-            </p:seq>
-          </p:childTnLst>
-        </p:cTn>
-      </p:par>
-    </p:tnLst>
-    <p:bldLst>
-      <p:bldP spid="2" grpId="0"/>
-    </p:bldLst>
-  </p:timing>
 </p:sld>
 </file>
 
@@ -13060,8 +12415,8 @@
         </p:nvSpPr>
         <p:spPr>
           <a:xfrm>
-            <a:off x="576950" y="1755132"/>
-            <a:ext cx="7523747" cy="4493538"/>
+            <a:off x="481263" y="1447355"/>
+            <a:ext cx="8528266" cy="4924425"/>
           </a:xfrm>
           <a:prstGeom prst="rect">
             <a:avLst/>
@@ -13148,6 +12503,45 @@
               </a:rPr>
               <a:t>: indicates the direction in that data are spreading.</a:t>
             </a:r>
+          </a:p>
+          <a:p>
+            <a:pPr marL="1066785" lvl="1" indent="-457200">
+              <a:buFont typeface="Arial" panose="020B0604020202020204" pitchFamily="34" charset="0"/>
+              <a:buChar char="•"/>
+            </a:pPr>
+            <a:r>
+              <a:rPr lang="en-US" sz="2000" i="0" dirty="0">
+                <a:effectLst/>
+              </a:rPr>
+              <a:t>It is the mean value of the product of the deviations of two variates from their respective means.</a:t>
+            </a:r>
+          </a:p>
+          <a:p>
+            <a:pPr marL="1066785" lvl="1" indent="-457200">
+              <a:buFont typeface="Arial" panose="020B0604020202020204" pitchFamily="34" charset="0"/>
+              <a:buChar char="•"/>
+            </a:pPr>
+            <a:r>
+              <a:rPr lang="en-US" sz="2000" b="0" i="0" dirty="0">
+                <a:effectLst/>
+              </a:rPr>
+              <a:t>It is </a:t>
+            </a:r>
+            <a:r>
+              <a:rPr lang="en-US" sz="2000" b="1" i="0" dirty="0">
+                <a:effectLst/>
+              </a:rPr>
+              <a:t>an indicator of the extent to which 2 random variables are dependent on each other</a:t>
+            </a:r>
+            <a:r>
+              <a:rPr lang="en-US" sz="2000" b="0" i="0" dirty="0">
+                <a:effectLst/>
+              </a:rPr>
+              <a:t>. </a:t>
+            </a:r>
+            <a:endParaRPr lang="en-US" sz="2600" dirty="0">
+              <a:cs typeface="Calibri" panose="020F0502020204030204" pitchFamily="34" charset="0"/>
+            </a:endParaRPr>
           </a:p>
         </p:txBody>
       </p:sp>
@@ -13223,8 +12617,8 @@
         </p:blipFill>
         <p:spPr bwMode="auto">
           <a:xfrm>
-            <a:off x="8100697" y="4001901"/>
-            <a:ext cx="3953811" cy="978568"/>
+            <a:off x="8686800" y="4001901"/>
+            <a:ext cx="3367708" cy="833508"/>
           </a:xfrm>
           <a:prstGeom prst="rect">
             <a:avLst/>
@@ -13485,6 +12879,51 @@
           </a:p>
         </p:txBody>
       </p:sp>
+      <p:pic>
+        <p:nvPicPr>
+          <p:cNvPr id="68610" name="Picture 2">
+            <a:extLst>
+              <a:ext uri="{FF2B5EF4-FFF2-40B4-BE49-F238E27FC236}">
+                <a16:creationId xmlns:a16="http://schemas.microsoft.com/office/drawing/2014/main" id="{A2E6ECA3-8415-B87B-B5B2-9BE9291AD188}"/>
+              </a:ext>
+            </a:extLst>
+          </p:cNvPr>
+          <p:cNvPicPr>
+            <a:picLocks noChangeAspect="1" noChangeArrowheads="1"/>
+          </p:cNvPicPr>
+          <p:nvPr/>
+        </p:nvPicPr>
+        <p:blipFill rotWithShape="1">
+          <a:blip r:embed="rId4">
+            <a:extLst>
+              <a:ext uri="{28A0092B-C50C-407E-A947-70E740481C1C}">
+                <a14:useLocalDpi xmlns:a14="http://schemas.microsoft.com/office/drawing/2010/main" val="0"/>
+              </a:ext>
+            </a:extLst>
+          </a:blip>
+          <a:srcRect l="26704" t="35842" r="12757" b="40968"/>
+          <a:stretch/>
+        </p:blipFill>
+        <p:spPr bwMode="auto">
+          <a:xfrm>
+            <a:off x="5296222" y="5752484"/>
+            <a:ext cx="2033453" cy="400110"/>
+          </a:xfrm>
+          <a:prstGeom prst="rect">
+            <a:avLst/>
+          </a:prstGeom>
+          <a:noFill/>
+          <a:extLst>
+            <a:ext uri="{909E8E84-426E-40DD-AFC4-6F175D3DCCD1}">
+              <a14:hiddenFill xmlns:a14="http://schemas.microsoft.com/office/drawing/2010/main">
+                <a:solidFill>
+                  <a:srgbClr val="FFFFFF"/>
+                </a:solidFill>
+              </a14:hiddenFill>
+            </a:ext>
+          </a:extLst>
+        </p:spPr>
+      </p:pic>
     </p:spTree>
     <p:extLst>
       <p:ext uri="{BB962C8B-B14F-4D97-AF65-F5344CB8AC3E}">
@@ -16730,7 +16169,7 @@
                   <a:srgbClr val="E46102"/>
                 </a:solidFill>
               </a:rPr>
-              <a:t>N</a:t>
+              <a:t>M</a:t>
             </a:r>
             <a:r>
               <a:rPr lang="en-US" altLang="en-US" sz="2000" b="1" dirty="0">
@@ -16752,7 +16191,15 @@
                   <a:srgbClr val="E46102"/>
                 </a:solidFill>
               </a:rPr>
-              <a:t>M</a:t>
+              <a:t>N</a:t>
+            </a:r>
+            <a:r>
+              <a:rPr lang="en-US" altLang="en-US" sz="2000" b="1">
+                <a:solidFill>
+                  <a:srgbClr val="000000"/>
+                </a:solidFill>
+              </a:rPr>
+              <a:t>: </a:t>
             </a:r>
             <a:r>
               <a:rPr lang="en-US" altLang="en-US" sz="2000" b="1" dirty="0">
@@ -16760,7 +16207,7 @@
                   <a:srgbClr val="000000"/>
                 </a:solidFill>
               </a:rPr>
-              <a:t>: # data</a:t>
+              <a:t># data</a:t>
             </a:r>
           </a:p>
         </p:txBody>
@@ -31106,509 +30553,6 @@
   <p:clrMapOvr>
     <a:masterClrMapping/>
   </p:clrMapOvr>
-  <p:timing>
-    <p:tnLst>
-      <p:par>
-        <p:cTn id="1" dur="indefinite" restart="never" nodeType="tmRoot">
-          <p:childTnLst>
-            <p:seq concurrent="1" nextAc="seek">
-              <p:cTn id="2" dur="indefinite" nodeType="mainSeq">
-                <p:childTnLst>
-                  <p:par>
-                    <p:cTn id="3" fill="hold">
-                      <p:stCondLst>
-                        <p:cond delay="indefinite"/>
-                      </p:stCondLst>
-                      <p:childTnLst>
-                        <p:par>
-                          <p:cTn id="4" fill="hold">
-                            <p:stCondLst>
-                              <p:cond delay="0"/>
-                            </p:stCondLst>
-                            <p:childTnLst>
-                              <p:par>
-                                <p:cTn id="5" presetID="1" presetClass="entr" presetSubtype="0" fill="hold" nodeType="clickEffect">
-                                  <p:stCondLst>
-                                    <p:cond delay="0"/>
-                                  </p:stCondLst>
-                                  <p:childTnLst>
-                                    <p:set>
-                                      <p:cBhvr>
-                                        <p:cTn id="6" dur="1" fill="hold">
-                                          <p:stCondLst>
-                                            <p:cond delay="0"/>
-                                          </p:stCondLst>
-                                        </p:cTn>
-                                        <p:tgtEl>
-                                          <p:spTgt spid="15">
-                                            <p:txEl>
-                                              <p:pRg st="0" end="0"/>
-                                            </p:txEl>
-                                          </p:spTgt>
-                                        </p:tgtEl>
-                                        <p:attrNameLst>
-                                          <p:attrName>style.visibility</p:attrName>
-                                        </p:attrNameLst>
-                                      </p:cBhvr>
-                                      <p:to>
-                                        <p:strVal val="visible"/>
-                                      </p:to>
-                                    </p:set>
-                                  </p:childTnLst>
-                                </p:cTn>
-                              </p:par>
-                            </p:childTnLst>
-                          </p:cTn>
-                        </p:par>
-                      </p:childTnLst>
-                    </p:cTn>
-                  </p:par>
-                  <p:par>
-                    <p:cTn id="7" fill="hold">
-                      <p:stCondLst>
-                        <p:cond delay="indefinite"/>
-                      </p:stCondLst>
-                      <p:childTnLst>
-                        <p:par>
-                          <p:cTn id="8" fill="hold">
-                            <p:stCondLst>
-                              <p:cond delay="0"/>
-                            </p:stCondLst>
-                            <p:childTnLst>
-                              <p:par>
-                                <p:cTn id="9" presetID="1" presetClass="entr" presetSubtype="0" fill="hold" nodeType="clickEffect">
-                                  <p:stCondLst>
-                                    <p:cond delay="0"/>
-                                  </p:stCondLst>
-                                  <p:childTnLst>
-                                    <p:set>
-                                      <p:cBhvr>
-                                        <p:cTn id="10" dur="1" fill="hold">
-                                          <p:stCondLst>
-                                            <p:cond delay="0"/>
-                                          </p:stCondLst>
-                                        </p:cTn>
-                                        <p:tgtEl>
-                                          <p:spTgt spid="15">
-                                            <p:txEl>
-                                              <p:pRg st="2" end="2"/>
-                                            </p:txEl>
-                                          </p:spTgt>
-                                        </p:tgtEl>
-                                        <p:attrNameLst>
-                                          <p:attrName>style.visibility</p:attrName>
-                                        </p:attrNameLst>
-                                      </p:cBhvr>
-                                      <p:to>
-                                        <p:strVal val="visible"/>
-                                      </p:to>
-                                    </p:set>
-                                  </p:childTnLst>
-                                </p:cTn>
-                              </p:par>
-                            </p:childTnLst>
-                          </p:cTn>
-                        </p:par>
-                      </p:childTnLst>
-                    </p:cTn>
-                  </p:par>
-                  <p:par>
-                    <p:cTn id="11" fill="hold">
-                      <p:stCondLst>
-                        <p:cond delay="indefinite"/>
-                      </p:stCondLst>
-                      <p:childTnLst>
-                        <p:par>
-                          <p:cTn id="12" fill="hold">
-                            <p:stCondLst>
-                              <p:cond delay="0"/>
-                            </p:stCondLst>
-                            <p:childTnLst>
-                              <p:par>
-                                <p:cTn id="13" presetID="1" presetClass="entr" presetSubtype="0" fill="hold" nodeType="clickEffect">
-                                  <p:stCondLst>
-                                    <p:cond delay="0"/>
-                                  </p:stCondLst>
-                                  <p:childTnLst>
-                                    <p:set>
-                                      <p:cBhvr>
-                                        <p:cTn id="14" dur="1" fill="hold">
-                                          <p:stCondLst>
-                                            <p:cond delay="0"/>
-                                          </p:stCondLst>
-                                        </p:cTn>
-                                        <p:tgtEl>
-                                          <p:spTgt spid="15">
-                                            <p:txEl>
-                                              <p:pRg st="4" end="4"/>
-                                            </p:txEl>
-                                          </p:spTgt>
-                                        </p:tgtEl>
-                                        <p:attrNameLst>
-                                          <p:attrName>style.visibility</p:attrName>
-                                        </p:attrNameLst>
-                                      </p:cBhvr>
-                                      <p:to>
-                                        <p:strVal val="visible"/>
-                                      </p:to>
-                                    </p:set>
-                                  </p:childTnLst>
-                                </p:cTn>
-                              </p:par>
-                            </p:childTnLst>
-                          </p:cTn>
-                        </p:par>
-                      </p:childTnLst>
-                    </p:cTn>
-                  </p:par>
-                  <p:par>
-                    <p:cTn id="15" fill="hold">
-                      <p:stCondLst>
-                        <p:cond delay="indefinite"/>
-                      </p:stCondLst>
-                      <p:childTnLst>
-                        <p:par>
-                          <p:cTn id="16" fill="hold">
-                            <p:stCondLst>
-                              <p:cond delay="0"/>
-                            </p:stCondLst>
-                            <p:childTnLst>
-                              <p:par>
-                                <p:cTn id="17" presetID="1" presetClass="entr" presetSubtype="0" fill="hold" nodeType="clickEffect">
-                                  <p:stCondLst>
-                                    <p:cond delay="0"/>
-                                  </p:stCondLst>
-                                  <p:childTnLst>
-                                    <p:set>
-                                      <p:cBhvr>
-                                        <p:cTn id="18" dur="1" fill="hold">
-                                          <p:stCondLst>
-                                            <p:cond delay="0"/>
-                                          </p:stCondLst>
-                                        </p:cTn>
-                                        <p:tgtEl>
-                                          <p:spTgt spid="10"/>
-                                        </p:tgtEl>
-                                        <p:attrNameLst>
-                                          <p:attrName>style.visibility</p:attrName>
-                                        </p:attrNameLst>
-                                      </p:cBhvr>
-                                      <p:to>
-                                        <p:strVal val="visible"/>
-                                      </p:to>
-                                    </p:set>
-                                  </p:childTnLst>
-                                </p:cTn>
-                              </p:par>
-                            </p:childTnLst>
-                          </p:cTn>
-                        </p:par>
-                      </p:childTnLst>
-                    </p:cTn>
-                  </p:par>
-                  <p:par>
-                    <p:cTn id="19" fill="hold">
-                      <p:stCondLst>
-                        <p:cond delay="indefinite"/>
-                      </p:stCondLst>
-                      <p:childTnLst>
-                        <p:par>
-                          <p:cTn id="20" fill="hold">
-                            <p:stCondLst>
-                              <p:cond delay="0"/>
-                            </p:stCondLst>
-                            <p:childTnLst>
-                              <p:par>
-                                <p:cTn id="21" presetID="1" presetClass="entr" presetSubtype="0" fill="hold" nodeType="clickEffect">
-                                  <p:stCondLst>
-                                    <p:cond delay="0"/>
-                                  </p:stCondLst>
-                                  <p:childTnLst>
-                                    <p:set>
-                                      <p:cBhvr>
-                                        <p:cTn id="22" dur="1" fill="hold">
-                                          <p:stCondLst>
-                                            <p:cond delay="0"/>
-                                          </p:stCondLst>
-                                        </p:cTn>
-                                        <p:tgtEl>
-                                          <p:spTgt spid="7"/>
-                                        </p:tgtEl>
-                                        <p:attrNameLst>
-                                          <p:attrName>style.visibility</p:attrName>
-                                        </p:attrNameLst>
-                                      </p:cBhvr>
-                                      <p:to>
-                                        <p:strVal val="visible"/>
-                                      </p:to>
-                                    </p:set>
-                                  </p:childTnLst>
-                                </p:cTn>
-                              </p:par>
-                              <p:par>
-                                <p:cTn id="23" presetID="1" presetClass="entr" presetSubtype="0" fill="hold" grpId="0" nodeType="withEffect">
-                                  <p:stCondLst>
-                                    <p:cond delay="0"/>
-                                  </p:stCondLst>
-                                  <p:childTnLst>
-                                    <p:set>
-                                      <p:cBhvr>
-                                        <p:cTn id="24" dur="1" fill="hold">
-                                          <p:stCondLst>
-                                            <p:cond delay="0"/>
-                                          </p:stCondLst>
-                                        </p:cTn>
-                                        <p:tgtEl>
-                                          <p:spTgt spid="11"/>
-                                        </p:tgtEl>
-                                        <p:attrNameLst>
-                                          <p:attrName>style.visibility</p:attrName>
-                                        </p:attrNameLst>
-                                      </p:cBhvr>
-                                      <p:to>
-                                        <p:strVal val="visible"/>
-                                      </p:to>
-                                    </p:set>
-                                  </p:childTnLst>
-                                </p:cTn>
-                              </p:par>
-                              <p:par>
-                                <p:cTn id="25" presetID="1" presetClass="entr" presetSubtype="0" fill="hold" nodeType="withEffect">
-                                  <p:stCondLst>
-                                    <p:cond delay="0"/>
-                                  </p:stCondLst>
-                                  <p:childTnLst>
-                                    <p:set>
-                                      <p:cBhvr>
-                                        <p:cTn id="26" dur="1" fill="hold">
-                                          <p:stCondLst>
-                                            <p:cond delay="0"/>
-                                          </p:stCondLst>
-                                        </p:cTn>
-                                        <p:tgtEl>
-                                          <p:spTgt spid="13">
-                                            <p:txEl>
-                                              <p:pRg st="0" end="0"/>
-                                            </p:txEl>
-                                          </p:spTgt>
-                                        </p:tgtEl>
-                                        <p:attrNameLst>
-                                          <p:attrName>style.visibility</p:attrName>
-                                        </p:attrNameLst>
-                                      </p:cBhvr>
-                                      <p:to>
-                                        <p:strVal val="visible"/>
-                                      </p:to>
-                                    </p:set>
-                                  </p:childTnLst>
-                                </p:cTn>
-                              </p:par>
-                              <p:par>
-                                <p:cTn id="27" presetID="1" presetClass="entr" presetSubtype="0" fill="hold" grpId="0" nodeType="withEffect">
-                                  <p:stCondLst>
-                                    <p:cond delay="0"/>
-                                  </p:stCondLst>
-                                  <p:childTnLst>
-                                    <p:set>
-                                      <p:cBhvr>
-                                        <p:cTn id="28" dur="1" fill="hold">
-                                          <p:stCondLst>
-                                            <p:cond delay="0"/>
-                                          </p:stCondLst>
-                                        </p:cTn>
-                                        <p:tgtEl>
-                                          <p:spTgt spid="12"/>
-                                        </p:tgtEl>
-                                        <p:attrNameLst>
-                                          <p:attrName>style.visibility</p:attrName>
-                                        </p:attrNameLst>
-                                      </p:cBhvr>
-                                      <p:to>
-                                        <p:strVal val="visible"/>
-                                      </p:to>
-                                    </p:set>
-                                  </p:childTnLst>
-                                </p:cTn>
-                              </p:par>
-                            </p:childTnLst>
-                          </p:cTn>
-                        </p:par>
-                      </p:childTnLst>
-                    </p:cTn>
-                  </p:par>
-                  <p:par>
-                    <p:cTn id="29" fill="hold">
-                      <p:stCondLst>
-                        <p:cond delay="indefinite"/>
-                      </p:stCondLst>
-                      <p:childTnLst>
-                        <p:par>
-                          <p:cTn id="30" fill="hold">
-                            <p:stCondLst>
-                              <p:cond delay="0"/>
-                            </p:stCondLst>
-                            <p:childTnLst>
-                              <p:par>
-                                <p:cTn id="31" presetID="1" presetClass="entr" presetSubtype="0" fill="hold" nodeType="clickEffect">
-                                  <p:stCondLst>
-                                    <p:cond delay="0"/>
-                                  </p:stCondLst>
-                                  <p:childTnLst>
-                                    <p:set>
-                                      <p:cBhvr>
-                                        <p:cTn id="32" dur="1" fill="hold">
-                                          <p:stCondLst>
-                                            <p:cond delay="0"/>
-                                          </p:stCondLst>
-                                        </p:cTn>
-                                        <p:tgtEl>
-                                          <p:spTgt spid="6"/>
-                                        </p:tgtEl>
-                                        <p:attrNameLst>
-                                          <p:attrName>style.visibility</p:attrName>
-                                        </p:attrNameLst>
-                                      </p:cBhvr>
-                                      <p:to>
-                                        <p:strVal val="visible"/>
-                                      </p:to>
-                                    </p:set>
-                                  </p:childTnLst>
-                                </p:cTn>
-                              </p:par>
-                              <p:par>
-                                <p:cTn id="33" presetID="1" presetClass="entr" presetSubtype="0" fill="hold" grpId="0" nodeType="withEffect">
-                                  <p:stCondLst>
-                                    <p:cond delay="0"/>
-                                  </p:stCondLst>
-                                  <p:childTnLst>
-                                    <p:set>
-                                      <p:cBhvr>
-                                        <p:cTn id="34" dur="1" fill="hold">
-                                          <p:stCondLst>
-                                            <p:cond delay="0"/>
-                                          </p:stCondLst>
-                                        </p:cTn>
-                                        <p:tgtEl>
-                                          <p:spTgt spid="8"/>
-                                        </p:tgtEl>
-                                        <p:attrNameLst>
-                                          <p:attrName>style.visibility</p:attrName>
-                                        </p:attrNameLst>
-                                      </p:cBhvr>
-                                      <p:to>
-                                        <p:strVal val="visible"/>
-                                      </p:to>
-                                    </p:set>
-                                  </p:childTnLst>
-                                </p:cTn>
-                              </p:par>
-                            </p:childTnLst>
-                          </p:cTn>
-                        </p:par>
-                      </p:childTnLst>
-                    </p:cTn>
-                  </p:par>
-                  <p:par>
-                    <p:cTn id="35" fill="hold">
-                      <p:stCondLst>
-                        <p:cond delay="indefinite"/>
-                      </p:stCondLst>
-                      <p:childTnLst>
-                        <p:par>
-                          <p:cTn id="36" fill="hold">
-                            <p:stCondLst>
-                              <p:cond delay="0"/>
-                            </p:stCondLst>
-                            <p:childTnLst>
-                              <p:par>
-                                <p:cTn id="37" presetID="1" presetClass="entr" presetSubtype="0" fill="hold" grpId="1" nodeType="clickEffect">
-                                  <p:stCondLst>
-                                    <p:cond delay="0"/>
-                                  </p:stCondLst>
-                                  <p:childTnLst>
-                                    <p:set>
-                                      <p:cBhvr>
-                                        <p:cTn id="38" dur="1" fill="hold">
-                                          <p:stCondLst>
-                                            <p:cond delay="0"/>
-                                          </p:stCondLst>
-                                        </p:cTn>
-                                        <p:tgtEl>
-                                          <p:spTgt spid="12"/>
-                                        </p:tgtEl>
-                                        <p:attrNameLst>
-                                          <p:attrName>style.visibility</p:attrName>
-                                        </p:attrNameLst>
-                                      </p:cBhvr>
-                                      <p:to>
-                                        <p:strVal val="visible"/>
-                                      </p:to>
-                                    </p:set>
-                                  </p:childTnLst>
-                                </p:cTn>
-                              </p:par>
-                              <p:par>
-                                <p:cTn id="39" presetID="1" presetClass="entr" presetSubtype="0" fill="hold" grpId="0" nodeType="withEffect">
-                                  <p:stCondLst>
-                                    <p:cond delay="0"/>
-                                  </p:stCondLst>
-                                  <p:childTnLst>
-                                    <p:set>
-                                      <p:cBhvr>
-                                        <p:cTn id="40" dur="1" fill="hold">
-                                          <p:stCondLst>
-                                            <p:cond delay="0"/>
-                                          </p:stCondLst>
-                                        </p:cTn>
-                                        <p:tgtEl>
-                                          <p:spTgt spid="9"/>
-                                        </p:tgtEl>
-                                        <p:attrNameLst>
-                                          <p:attrName>style.visibility</p:attrName>
-                                        </p:attrNameLst>
-                                      </p:cBhvr>
-                                      <p:to>
-                                        <p:strVal val="visible"/>
-                                      </p:to>
-                                    </p:set>
-                                  </p:childTnLst>
-                                </p:cTn>
-                              </p:par>
-                            </p:childTnLst>
-                          </p:cTn>
-                        </p:par>
-                      </p:childTnLst>
-                    </p:cTn>
-                  </p:par>
-                </p:childTnLst>
-              </p:cTn>
-              <p:prevCondLst>
-                <p:cond evt="onPrev" delay="0">
-                  <p:tgtEl>
-                    <p:sldTgt/>
-                  </p:tgtEl>
-                </p:cond>
-              </p:prevCondLst>
-              <p:nextCondLst>
-                <p:cond evt="onNext" delay="0">
-                  <p:tgtEl>
-                    <p:sldTgt/>
-                  </p:tgtEl>
-                </p:cond>
-              </p:nextCondLst>
-            </p:seq>
-          </p:childTnLst>
-        </p:cTn>
-      </p:par>
-    </p:tnLst>
-    <p:bldLst>
-      <p:bldP spid="8" grpId="0"/>
-      <p:bldP spid="9" grpId="0"/>
-      <p:bldP spid="11" grpId="0"/>
-      <p:bldP spid="12" grpId="0"/>
-      <p:bldP spid="12" grpId="1"/>
-    </p:bldLst>
-  </p:timing>
 </p:sld>
 </file>
 

--- a/Syllabus/Lecture14/Lec14.pptx
+++ b/Syllabus/Lecture14/Lec14.pptx
@@ -16194,20 +16194,12 @@
               <a:t>N</a:t>
             </a:r>
             <a:r>
-              <a:rPr lang="en-US" altLang="en-US" sz="2000" b="1">
-                <a:solidFill>
-                  <a:srgbClr val="000000"/>
-                </a:solidFill>
-              </a:rPr>
-              <a:t>: </a:t>
-            </a:r>
-            <a:r>
               <a:rPr lang="en-US" altLang="en-US" sz="2000" b="1" dirty="0">
                 <a:solidFill>
                   <a:srgbClr val="000000"/>
                 </a:solidFill>
               </a:rPr>
-              <a:t># data</a:t>
+              <a:t>: # data</a:t>
             </a:r>
           </a:p>
         </p:txBody>

--- a/Syllabus/Lecture14/Lec14.pptx
+++ b/Syllabus/Lecture14/Lec14.pptx
@@ -29473,7 +29473,7 @@
         <p:spPr>
           <a:xfrm>
             <a:off x="641684" y="1572794"/>
-            <a:ext cx="7409272" cy="954107"/>
+            <a:ext cx="7823488" cy="954107"/>
           </a:xfrm>
           <a:prstGeom prst="rect">
             <a:avLst/>
@@ -29508,7 +29508,7 @@
                 <a:latin typeface="Calibri" panose="020F0502020204030204" pitchFamily="34" charset="0"/>
                 <a:cs typeface="Calibri" panose="020F0502020204030204" pitchFamily="34" charset="0"/>
               </a:rPr>
-              <a:t>Realistically only 2 dimensions we can plot (</a:t>
+              <a:t>Realistically only 2 dimensions can be plotted (</a:t>
             </a:r>
             <a:r>
               <a:rPr lang="en-GB" sz="2800" dirty="0" err="1">
@@ -31928,7 +31928,7 @@
                 <a:latin typeface="Calibri" panose="020F0502020204030204" pitchFamily="34" charset="0"/>
                 <a:cs typeface="Calibri" panose="020F0502020204030204" pitchFamily="34" charset="0"/>
               </a:rPr>
-              <a:t>, find an K x N matrix T such that: </a:t>
+              <a:t>, find a K x N matrix T such that: </a:t>
             </a:r>
           </a:p>
           <a:p>

--- a/Syllabus/Lecture14/Lec14.pptx
+++ b/Syllabus/Lecture14/Lec14.pptx
@@ -5,10 +5,10 @@
     <p:sldMasterId id="2147483664" r:id="rId1"/>
   </p:sldMasterIdLst>
   <p:notesMasterIdLst>
-    <p:notesMasterId r:id="rId38"/>
+    <p:notesMasterId r:id="rId37"/>
   </p:notesMasterIdLst>
   <p:handoutMasterIdLst>
-    <p:handoutMasterId r:id="rId39"/>
+    <p:handoutMasterId r:id="rId38"/>
   </p:handoutMasterIdLst>
   <p:sldIdLst>
     <p:sldId id="266" r:id="rId2"/>
@@ -45,8 +45,7 @@
     <p:sldId id="1463" r:id="rId33"/>
     <p:sldId id="1464" r:id="rId34"/>
     <p:sldId id="1441" r:id="rId35"/>
-    <p:sldId id="1442" r:id="rId36"/>
-    <p:sldId id="410" r:id="rId37"/>
+    <p:sldId id="410" r:id="rId36"/>
   </p:sldIdLst>
   <p:sldSz cx="12192000" cy="6858000"/>
   <p:notesSz cx="6858000" cy="9144000"/>
@@ -184,7 +183,6 @@
             <p14:sldId id="1463"/>
             <p14:sldId id="1464"/>
             <p14:sldId id="1441"/>
-            <p14:sldId id="1442"/>
             <p14:sldId id="410"/>
           </p14:sldIdLst>
         </p14:section>
@@ -305,7 +303,7 @@
           <a:p>
             <a:fld id="{DF9C6931-D0F6-AB40-9D7F-95567148A5C2}" type="datetimeFigureOut">
               <a:rPr lang="en-US" smtClean="0"/>
-              <a:t>10/19/22</a:t>
+              <a:t>10/20/22</a:t>
             </a:fld>
             <a:endParaRPr lang="en-US"/>
           </a:p>
@@ -482,7 +480,7 @@
           <a:p>
             <a:fld id="{736C18F2-6801-5147-A332-A6E1C7D69D18}" type="datetimeFigureOut">
               <a:rPr lang="en-US" smtClean="0"/>
-              <a:t>10/19/22</a:t>
+              <a:t>10/20/22</a:t>
             </a:fld>
             <a:endParaRPr lang="en-US"/>
           </a:p>
@@ -3486,115 +3484,6 @@
 </file>
 
 <file path=ppt/notesSlides/notesSlide32.xml><?xml version="1.0" encoding="utf-8"?>
-<p:notes xmlns:a="http://schemas.openxmlformats.org/drawingml/2006/main" xmlns:r="http://schemas.openxmlformats.org/officeDocument/2006/relationships" xmlns:p="http://schemas.openxmlformats.org/presentationml/2006/main" showMasterSp="0" showMasterPhAnim="0">
-  <p:cSld>
-    <p:spTree>
-      <p:nvGrpSpPr>
-        <p:cNvPr id="1" name="Shape 91"/>
-        <p:cNvGrpSpPr/>
-        <p:nvPr/>
-      </p:nvGrpSpPr>
-      <p:grpSpPr>
-        <a:xfrm>
-          <a:off x="0" y="0"/>
-          <a:ext cx="0" cy="0"/>
-          <a:chOff x="0" y="0"/>
-          <a:chExt cx="0" cy="0"/>
-        </a:xfrm>
-      </p:grpSpPr>
-      <p:sp>
-        <p:nvSpPr>
-          <p:cNvPr id="92" name="Google Shape;92;g921be16503_9_0:notes"/>
-          <p:cNvSpPr>
-            <a:spLocks noGrp="1" noRot="1" noChangeAspect="1"/>
-          </p:cNvSpPr>
-          <p:nvPr>
-            <p:ph type="sldImg" idx="2"/>
-          </p:nvPr>
-        </p:nvSpPr>
-        <p:spPr>
-          <a:xfrm>
-            <a:off x="381000" y="685800"/>
-            <a:ext cx="6096000" cy="3429000"/>
-          </a:xfrm>
-          <a:custGeom>
-            <a:avLst/>
-            <a:gdLst/>
-            <a:ahLst/>
-            <a:cxnLst/>
-            <a:rect l="l" t="t" r="r" b="b"/>
-            <a:pathLst>
-              <a:path w="120000" h="120000" extrusionOk="0">
-                <a:moveTo>
-                  <a:pt x="0" y="0"/>
-                </a:moveTo>
-                <a:lnTo>
-                  <a:pt x="120000" y="0"/>
-                </a:lnTo>
-                <a:lnTo>
-                  <a:pt x="120000" y="120000"/>
-                </a:lnTo>
-                <a:lnTo>
-                  <a:pt x="0" y="120000"/>
-                </a:lnTo>
-                <a:close/>
-              </a:path>
-            </a:pathLst>
-          </a:custGeom>
-        </p:spPr>
-      </p:sp>
-      <p:sp>
-        <p:nvSpPr>
-          <p:cNvPr id="93" name="Google Shape;93;g921be16503_9_0:notes"/>
-          <p:cNvSpPr txBox="1">
-            <a:spLocks noGrp="1"/>
-          </p:cNvSpPr>
-          <p:nvPr>
-            <p:ph type="body" idx="1"/>
-          </p:nvPr>
-        </p:nvSpPr>
-        <p:spPr>
-          <a:xfrm>
-            <a:off x="685800" y="4343400"/>
-            <a:ext cx="5486400" cy="4114800"/>
-          </a:xfrm>
-          <a:prstGeom prst="rect">
-            <a:avLst/>
-          </a:prstGeom>
-        </p:spPr>
-        <p:txBody>
-          <a:bodyPr spcFirstLastPara="1" wrap="square" lIns="91425" tIns="91425" rIns="91425" bIns="91425" anchor="t" anchorCtr="0">
-            <a:noAutofit/>
-          </a:bodyPr>
-          <a:lstStyle/>
-          <a:p>
-            <a:pPr marL="0" lvl="0" indent="0" algn="l" rtl="0">
-              <a:spcBef>
-                <a:spcPts val="0"/>
-              </a:spcBef>
-              <a:spcAft>
-                <a:spcPts val="0"/>
-              </a:spcAft>
-              <a:buNone/>
-            </a:pPr>
-            <a:endParaRPr lang="en-US" dirty="0"/>
-          </a:p>
-        </p:txBody>
-      </p:sp>
-    </p:spTree>
-    <p:extLst>
-      <p:ext uri="{BB962C8B-B14F-4D97-AF65-F5344CB8AC3E}">
-        <p14:creationId xmlns:p14="http://schemas.microsoft.com/office/powerpoint/2010/main" val="1454524048"/>
-      </p:ext>
-    </p:extLst>
-  </p:cSld>
-  <p:clrMapOvr>
-    <a:masterClrMapping/>
-  </p:clrMapOvr>
-</p:notes>
-</file>
-
-<file path=ppt/notesSlides/notesSlide33.xml><?xml version="1.0" encoding="utf-8"?>
 <p:notes xmlns:a="http://schemas.openxmlformats.org/drawingml/2006/main" xmlns:r="http://schemas.openxmlformats.org/officeDocument/2006/relationships" xmlns:p="http://schemas.openxmlformats.org/presentationml/2006/main" showMasterSp="0" showMasterPhAnim="0">
   <p:cSld>
     <p:spTree>
@@ -29119,117 +29008,6 @@
       </p:grpSpPr>
       <p:sp>
         <p:nvSpPr>
-          <p:cNvPr id="95" name="Google Shape;95;p14"/>
-          <p:cNvSpPr txBox="1">
-            <a:spLocks noGrp="1"/>
-          </p:cNvSpPr>
-          <p:nvPr>
-            <p:ph type="title" idx="4294967295"/>
-          </p:nvPr>
-        </p:nvSpPr>
-        <p:spPr>
-          <a:xfrm>
-            <a:off x="561263" y="696913"/>
-            <a:ext cx="10972800" cy="506789"/>
-          </a:xfrm>
-          <a:prstGeom prst="rect">
-            <a:avLst/>
-          </a:prstGeom>
-        </p:spPr>
-        <p:txBody>
-          <a:bodyPr spcFirstLastPara="1" wrap="square" lIns="121900" tIns="121900" rIns="121900" bIns="121900" anchor="ctr" anchorCtr="0">
-            <a:noAutofit/>
-          </a:bodyPr>
-          <a:lstStyle/>
-          <a:p>
-            <a:r>
-              <a:rPr lang="en-US" sz="4000" b="1" dirty="0">
-                <a:solidFill>
-                  <a:srgbClr val="E46102"/>
-                </a:solidFill>
-              </a:rPr>
-              <a:t>Application to Images</a:t>
-            </a:r>
-            <a:endParaRPr sz="4000" b="1" dirty="0">
-              <a:solidFill>
-                <a:srgbClr val="E46102"/>
-              </a:solidFill>
-            </a:endParaRPr>
-          </a:p>
-        </p:txBody>
-      </p:sp>
-      <p:sp>
-        <p:nvSpPr>
-          <p:cNvPr id="96" name="Google Shape;96;p14"/>
-          <p:cNvSpPr txBox="1"/>
-          <p:nvPr/>
-        </p:nvSpPr>
-        <p:spPr>
-          <a:xfrm>
-            <a:off x="395183" y="2999874"/>
-            <a:ext cx="11401634" cy="1812758"/>
-          </a:xfrm>
-          <a:prstGeom prst="rect">
-            <a:avLst/>
-          </a:prstGeom>
-          <a:noFill/>
-          <a:ln>
-            <a:noFill/>
-          </a:ln>
-        </p:spPr>
-        <p:txBody>
-          <a:bodyPr spcFirstLastPara="1" wrap="square" lIns="121900" tIns="121900" rIns="121900" bIns="121900" anchor="t" anchorCtr="0">
-            <a:noAutofit/>
-          </a:bodyPr>
-          <a:lstStyle/>
-          <a:p>
-            <a:pPr algn="ctr">
-              <a:lnSpc>
-                <a:spcPct val="150000"/>
-              </a:lnSpc>
-            </a:pPr>
-            <a:r>
-              <a:rPr lang="en-US" sz="2800" dirty="0">
-                <a:latin typeface="Calibri" panose="020F0502020204030204" pitchFamily="34" charset="0"/>
-                <a:cs typeface="Calibri" panose="020F0502020204030204" pitchFamily="34" charset="0"/>
-              </a:rPr>
-              <a:t>Kaggle exercise</a:t>
-            </a:r>
-          </a:p>
-        </p:txBody>
-      </p:sp>
-    </p:spTree>
-    <p:extLst>
-      <p:ext uri="{BB962C8B-B14F-4D97-AF65-F5344CB8AC3E}">
-        <p14:creationId xmlns:p14="http://schemas.microsoft.com/office/powerpoint/2010/main" val="2135229955"/>
-      </p:ext>
-    </p:extLst>
-  </p:cSld>
-  <p:clrMapOvr>
-    <a:masterClrMapping/>
-  </p:clrMapOvr>
-</p:sld>
-</file>
-
-<file path=ppt/slides/slide36.xml><?xml version="1.0" encoding="utf-8"?>
-<p:sld xmlns:a="http://schemas.openxmlformats.org/drawingml/2006/main" xmlns:r="http://schemas.openxmlformats.org/officeDocument/2006/relationships" xmlns:p="http://schemas.openxmlformats.org/presentationml/2006/main">
-  <p:cSld>
-    <p:spTree>
-      <p:nvGrpSpPr>
-        <p:cNvPr id="1" name="Shape 94"/>
-        <p:cNvGrpSpPr/>
-        <p:nvPr/>
-      </p:nvGrpSpPr>
-      <p:grpSpPr>
-        <a:xfrm>
-          <a:off x="0" y="0"/>
-          <a:ext cx="0" cy="0"/>
-          <a:chOff x="0" y="0"/>
-          <a:chExt cx="0" cy="0"/>
-        </a:xfrm>
-      </p:grpSpPr>
-      <p:sp>
-        <p:nvSpPr>
           <p:cNvPr id="96" name="Google Shape;96;p14"/>
           <p:cNvSpPr txBox="1"/>
           <p:nvPr/>
@@ -29280,17 +29058,6 @@
             <a:r>
               <a:rPr lang="en-US" dirty="0"/>
               <a:t>, Wikipedia, and google images.</a:t>
-            </a:r>
-          </a:p>
-          <a:p>
-            <a:pPr lvl="1"/>
-            <a:endParaRPr lang="en-US" dirty="0"/>
-          </a:p>
-          <a:p>
-            <a:pPr lvl="1"/>
-            <a:r>
-              <a:rPr lang="en-US" dirty="0"/>
-              <a:t>Coding exercise is from Kaggle.com (it’s best place to practice!)</a:t>
             </a:r>
           </a:p>
         </p:txBody>
